--- a/com.yrtech.bentleyAPI/com.yrtech.InventoryAPI/template/2022 Dealer Coop fund event report template-under.pptx
+++ b/com.yrtech.bentleyAPI/com.yrtech.InventoryAPI/template/2022 Dealer Coop fund event report template-under.pptx
@@ -225,7 +225,7 @@
           <a:p>
             <a:fld id="{69A4D669-94F9-4D70-8C76-4C2D35D4E5D0}" type="datetimeFigureOut">
               <a:rPr lang="en-US" smtClean="0"/>
-              <a:t>4/1/2022</a:t>
+              <a:t>4/4/2022</a:t>
             </a:fld>
             <a:endParaRPr lang="en-US"/>
           </a:p>
@@ -1866,7 +1866,7 @@
           <a:p>
             <a:fld id="{CB9F8517-1271-4F8B-9742-ECB8BBF22693}" type="datetimeFigureOut">
               <a:rPr lang="en-US" smtClean="0"/>
-              <a:t>4/1/2022</a:t>
+              <a:t>4/4/2022</a:t>
             </a:fld>
             <a:endParaRPr lang="en-US"/>
           </a:p>
@@ -2036,7 +2036,7 @@
           <a:p>
             <a:fld id="{CB9F8517-1271-4F8B-9742-ECB8BBF22693}" type="datetimeFigureOut">
               <a:rPr lang="en-US" smtClean="0"/>
-              <a:t>4/1/2022</a:t>
+              <a:t>4/4/2022</a:t>
             </a:fld>
             <a:endParaRPr lang="en-US"/>
           </a:p>
@@ -2216,7 +2216,7 @@
           <a:p>
             <a:fld id="{CB9F8517-1271-4F8B-9742-ECB8BBF22693}" type="datetimeFigureOut">
               <a:rPr lang="en-US" smtClean="0"/>
-              <a:t>4/1/2022</a:t>
+              <a:t>4/4/2022</a:t>
             </a:fld>
             <a:endParaRPr lang="en-US"/>
           </a:p>
@@ -2314,7 +2314,7 @@
           <a:graphicData uri="http://schemas.openxmlformats.org/presentationml/2006/ole">
             <mc:AlternateContent xmlns:mc="http://schemas.openxmlformats.org/markup-compatibility/2006">
               <mc:Choice xmlns:v="urn:schemas-microsoft-com:vml" Requires="v">
-                <p:oleObj spid="_x0000_s3129" name="think-cell Slide" r:id="rId4" imgW="216" imgH="216" progId="TCLayout.ActiveDocument.1">
+                <p:oleObj spid="_x0000_s3139" name="think-cell Slide" r:id="rId4" imgW="216" imgH="216" progId="TCLayout.ActiveDocument.1">
                   <p:embed/>
                 </p:oleObj>
               </mc:Choice>
@@ -3352,7 +3352,7 @@
           <a:graphicData uri="http://schemas.openxmlformats.org/presentationml/2006/ole">
             <mc:AlternateContent xmlns:mc="http://schemas.openxmlformats.org/markup-compatibility/2006">
               <mc:Choice xmlns:v="urn:schemas-microsoft-com:vml" Requires="v">
-                <p:oleObj spid="_x0000_s32813" name="think-cell Slide" r:id="rId5" imgW="216" imgH="216" progId="TCLayout.ActiveDocument.1">
+                <p:oleObj spid="_x0000_s32823" name="think-cell Slide" r:id="rId5" imgW="216" imgH="216" progId="TCLayout.ActiveDocument.1">
                   <p:embed/>
                 </p:oleObj>
               </mc:Choice>
@@ -3829,7 +3829,7 @@
           <a:graphicData uri="http://schemas.openxmlformats.org/presentationml/2006/ole">
             <mc:AlternateContent xmlns:mc="http://schemas.openxmlformats.org/markup-compatibility/2006">
               <mc:Choice xmlns:v="urn:schemas-microsoft-com:vml" Requires="v">
-                <p:oleObj spid="_x0000_s33837" name="think-cell Slide" r:id="rId4" imgW="216" imgH="216" progId="TCLayout.ActiveDocument.1">
+                <p:oleObj spid="_x0000_s33847" name="think-cell Slide" r:id="rId4" imgW="216" imgH="216" progId="TCLayout.ActiveDocument.1">
                   <p:embed/>
                 </p:oleObj>
               </mc:Choice>
@@ -4566,7 +4566,7 @@
           <a:graphicData uri="http://schemas.openxmlformats.org/presentationml/2006/ole">
             <mc:AlternateContent xmlns:mc="http://schemas.openxmlformats.org/markup-compatibility/2006">
               <mc:Choice xmlns:v="urn:schemas-microsoft-com:vml" Requires="v">
-                <p:oleObj spid="_x0000_s34861" name="think-cell Slide" r:id="rId4" imgW="216" imgH="216" progId="TCLayout.ActiveDocument.1">
+                <p:oleObj spid="_x0000_s34871" name="think-cell Slide" r:id="rId4" imgW="216" imgH="216" progId="TCLayout.ActiveDocument.1">
                   <p:embed/>
                 </p:oleObj>
               </mc:Choice>
@@ -5614,7 +5614,7 @@
           <a:graphicData uri="http://schemas.openxmlformats.org/presentationml/2006/ole">
             <mc:AlternateContent xmlns:mc="http://schemas.openxmlformats.org/markup-compatibility/2006">
               <mc:Choice xmlns:v="urn:schemas-microsoft-com:vml" Requires="v">
-                <p:oleObj spid="_x0000_s35885" name="think-cell Slide" r:id="rId5" imgW="216" imgH="216" progId="TCLayout.ActiveDocument.1">
+                <p:oleObj spid="_x0000_s35895" name="think-cell Slide" r:id="rId5" imgW="216" imgH="216" progId="TCLayout.ActiveDocument.1">
                   <p:embed/>
                 </p:oleObj>
               </mc:Choice>
@@ -6406,7 +6406,7 @@
           <a:graphicData uri="http://schemas.openxmlformats.org/presentationml/2006/ole">
             <mc:AlternateContent xmlns:mc="http://schemas.openxmlformats.org/markup-compatibility/2006">
               <mc:Choice xmlns:v="urn:schemas-microsoft-com:vml" Requires="v">
-                <p:oleObj spid="_x0000_s37933" name="think-cell Slide" r:id="rId5" imgW="216" imgH="216" progId="TCLayout.ActiveDocument.1">
+                <p:oleObj spid="_x0000_s37943" name="think-cell Slide" r:id="rId5" imgW="216" imgH="216" progId="TCLayout.ActiveDocument.1">
                   <p:embed/>
                 </p:oleObj>
               </mc:Choice>
@@ -6883,7 +6883,7 @@
           <a:graphicData uri="http://schemas.openxmlformats.org/presentationml/2006/ole">
             <mc:AlternateContent xmlns:mc="http://schemas.openxmlformats.org/markup-compatibility/2006">
               <mc:Choice xmlns:v="urn:schemas-microsoft-com:vml" Requires="v">
-                <p:oleObj spid="_x0000_s38957" name="think-cell Slide" r:id="rId4" imgW="216" imgH="216" progId="TCLayout.ActiveDocument.1">
+                <p:oleObj spid="_x0000_s38967" name="think-cell Slide" r:id="rId4" imgW="216" imgH="216" progId="TCLayout.ActiveDocument.1">
                   <p:embed/>
                 </p:oleObj>
               </mc:Choice>
@@ -7691,7 +7691,7 @@
           <a:p>
             <a:fld id="{CB9F8517-1271-4F8B-9742-ECB8BBF22693}" type="datetimeFigureOut">
               <a:rPr lang="en-US" smtClean="0"/>
-              <a:t>4/1/2022</a:t>
+              <a:t>4/4/2022</a:t>
             </a:fld>
             <a:endParaRPr lang="en-US"/>
           </a:p>
@@ -7790,7 +7790,7 @@
           <a:graphicData uri="http://schemas.openxmlformats.org/presentationml/2006/ole">
             <mc:AlternateContent xmlns:mc="http://schemas.openxmlformats.org/markup-compatibility/2006">
               <mc:Choice xmlns:v="urn:schemas-microsoft-com:vml" Requires="v">
-                <p:oleObj spid="_x0000_s39981" name="think-cell Slide" r:id="rId4" imgW="216" imgH="216" progId="TCLayout.ActiveDocument.1">
+                <p:oleObj spid="_x0000_s39991" name="think-cell Slide" r:id="rId4" imgW="216" imgH="216" progId="TCLayout.ActiveDocument.1">
                   <p:embed/>
                 </p:oleObj>
               </mc:Choice>
@@ -8838,7 +8838,7 @@
           <a:graphicData uri="http://schemas.openxmlformats.org/presentationml/2006/ole">
             <mc:AlternateContent xmlns:mc="http://schemas.openxmlformats.org/markup-compatibility/2006">
               <mc:Choice xmlns:v="urn:schemas-microsoft-com:vml" Requires="v">
-                <p:oleObj spid="_x0000_s41005" name="think-cell Slide" r:id="rId5" imgW="216" imgH="216" progId="TCLayout.ActiveDocument.1">
+                <p:oleObj spid="_x0000_s41015" name="think-cell Slide" r:id="rId5" imgW="216" imgH="216" progId="TCLayout.ActiveDocument.1">
                   <p:embed/>
                 </p:oleObj>
               </mc:Choice>
@@ -9777,7 +9777,7 @@
           <a:p>
             <a:fld id="{CB9F8517-1271-4F8B-9742-ECB8BBF22693}" type="datetimeFigureOut">
               <a:rPr lang="en-US" smtClean="0"/>
-              <a:t>4/1/2022</a:t>
+              <a:t>4/4/2022</a:t>
             </a:fld>
             <a:endParaRPr lang="en-US"/>
           </a:p>
@@ -10009,7 +10009,7 @@
           <a:p>
             <a:fld id="{CB9F8517-1271-4F8B-9742-ECB8BBF22693}" type="datetimeFigureOut">
               <a:rPr lang="en-US" smtClean="0"/>
-              <a:t>4/1/2022</a:t>
+              <a:t>4/4/2022</a:t>
             </a:fld>
             <a:endParaRPr lang="en-US"/>
           </a:p>
@@ -10376,7 +10376,7 @@
           <a:p>
             <a:fld id="{CB9F8517-1271-4F8B-9742-ECB8BBF22693}" type="datetimeFigureOut">
               <a:rPr lang="en-US" smtClean="0"/>
-              <a:t>4/1/2022</a:t>
+              <a:t>4/4/2022</a:t>
             </a:fld>
             <a:endParaRPr lang="en-US"/>
           </a:p>
@@ -10494,7 +10494,7 @@
           <a:p>
             <a:fld id="{CB9F8517-1271-4F8B-9742-ECB8BBF22693}" type="datetimeFigureOut">
               <a:rPr lang="en-US" smtClean="0"/>
-              <a:t>4/1/2022</a:t>
+              <a:t>4/4/2022</a:t>
             </a:fld>
             <a:endParaRPr lang="en-US"/>
           </a:p>
@@ -10589,7 +10589,7 @@
           <a:p>
             <a:fld id="{CB9F8517-1271-4F8B-9742-ECB8BBF22693}" type="datetimeFigureOut">
               <a:rPr lang="en-US" smtClean="0"/>
-              <a:t>4/1/2022</a:t>
+              <a:t>4/4/2022</a:t>
             </a:fld>
             <a:endParaRPr lang="en-US"/>
           </a:p>
@@ -10866,7 +10866,7 @@
           <a:p>
             <a:fld id="{CB9F8517-1271-4F8B-9742-ECB8BBF22693}" type="datetimeFigureOut">
               <a:rPr lang="en-US" smtClean="0"/>
-              <a:t>4/1/2022</a:t>
+              <a:t>4/4/2022</a:t>
             </a:fld>
             <a:endParaRPr lang="en-US"/>
           </a:p>
@@ -11119,7 +11119,7 @@
           <a:p>
             <a:fld id="{CB9F8517-1271-4F8B-9742-ECB8BBF22693}" type="datetimeFigureOut">
               <a:rPr lang="en-US" smtClean="0"/>
-              <a:t>4/1/2022</a:t>
+              <a:t>4/4/2022</a:t>
             </a:fld>
             <a:endParaRPr lang="en-US"/>
           </a:p>
@@ -11227,7 +11227,7 @@
           <a:graphicData uri="http://schemas.openxmlformats.org/presentationml/2006/ole">
             <mc:AlternateContent xmlns:mc="http://schemas.openxmlformats.org/markup-compatibility/2006">
               <mc:Choice xmlns:v="urn:schemas-microsoft-com:vml" Requires="v">
-                <p:oleObj spid="_x0000_s1081" name="think-cell Slide" r:id="rId16" imgW="416" imgH="416" progId="TCLayout.ActiveDocument.1">
+                <p:oleObj spid="_x0000_s1091" name="think-cell Slide" r:id="rId16" imgW="416" imgH="416" progId="TCLayout.ActiveDocument.1">
                   <p:embed/>
                 </p:oleObj>
               </mc:Choice>
@@ -11392,7 +11392,7 @@
           <a:p>
             <a:fld id="{CB9F8517-1271-4F8B-9742-ECB8BBF22693}" type="datetimeFigureOut">
               <a:rPr lang="en-US" smtClean="0"/>
-              <a:t>4/1/2022</a:t>
+              <a:t>4/4/2022</a:t>
             </a:fld>
             <a:endParaRPr lang="en-US"/>
           </a:p>
@@ -11828,7 +11828,7 @@
           <a:graphicData uri="http://schemas.openxmlformats.org/presentationml/2006/ole">
             <mc:AlternateContent xmlns:mc="http://schemas.openxmlformats.org/markup-compatibility/2006">
               <mc:Choice xmlns:v="urn:schemas-microsoft-com:vml" Requires="v">
-                <p:oleObj spid="_x0000_s31789" name="think-cell Slide" r:id="rId10" imgW="216" imgH="216" progId="TCLayout.ActiveDocument.1">
+                <p:oleObj spid="_x0000_s31799" name="think-cell Slide" r:id="rId10" imgW="216" imgH="216" progId="TCLayout.ActiveDocument.1">
                   <p:embed/>
                 </p:oleObj>
               </mc:Choice>
@@ -12586,7 +12586,7 @@
           <a:graphicData uri="http://schemas.openxmlformats.org/presentationml/2006/ole">
             <mc:AlternateContent xmlns:mc="http://schemas.openxmlformats.org/markup-compatibility/2006">
               <mc:Choice xmlns:v="urn:schemas-microsoft-com:vml" Requires="v">
-                <p:oleObj spid="_x0000_s36910" name="think-cell Slide" r:id="rId10" imgW="216" imgH="216" progId="TCLayout.ActiveDocument.1">
+                <p:oleObj spid="_x0000_s36920" name="think-cell Slide" r:id="rId10" imgW="216" imgH="216" progId="TCLayout.ActiveDocument.1">
                   <p:embed/>
                 </p:oleObj>
               </mc:Choice>
@@ -13339,7 +13339,7 @@
           <a:graphicData uri="http://schemas.openxmlformats.org/presentationml/2006/ole">
             <mc:AlternateContent xmlns:mc="http://schemas.openxmlformats.org/markup-compatibility/2006">
               <mc:Choice xmlns:v="urn:schemas-microsoft-com:vml" Requires="v">
-                <p:oleObj spid="_x0000_s14396" name="think-cell Slide" r:id="rId5" imgW="396" imgH="396" progId="TCLayout.ActiveDocument.1">
+                <p:oleObj spid="_x0000_s14406" name="think-cell Slide" r:id="rId5" imgW="396" imgH="396" progId="TCLayout.ActiveDocument.1">
                   <p:embed/>
                 </p:oleObj>
               </mc:Choice>
@@ -15756,8 +15756,8 @@
         </p:nvSpPr>
         <p:spPr>
           <a:xfrm>
-            <a:off x="6264832" y="1684547"/>
-            <a:ext cx="5336624" cy="4648876"/>
+            <a:off x="6264832" y="1593908"/>
+            <a:ext cx="5336624" cy="5117285"/>
           </a:xfrm>
           <a:prstGeom prst="rect">
             <a:avLst/>
@@ -15809,8 +15809,8 @@
         </p:nvSpPr>
         <p:spPr>
           <a:xfrm>
-            <a:off x="554023" y="1684547"/>
-            <a:ext cx="5336624" cy="4648875"/>
+            <a:off x="554023" y="1593908"/>
+            <a:ext cx="5336624" cy="5117285"/>
           </a:xfrm>
           <a:prstGeom prst="rect">
             <a:avLst/>
@@ -16467,8 +16467,8 @@
         </p:nvSpPr>
         <p:spPr>
           <a:xfrm>
-            <a:off x="6264832" y="1684547"/>
-            <a:ext cx="5336624" cy="4648876"/>
+            <a:off x="6264832" y="1609046"/>
+            <a:ext cx="5336624" cy="4993090"/>
           </a:xfrm>
           <a:prstGeom prst="rect">
             <a:avLst/>
@@ -16520,8 +16520,8 @@
         </p:nvSpPr>
         <p:spPr>
           <a:xfrm>
-            <a:off x="565597" y="1684547"/>
-            <a:ext cx="5336624" cy="4648875"/>
+            <a:off x="565597" y="1609046"/>
+            <a:ext cx="5336624" cy="4993090"/>
           </a:xfrm>
           <a:prstGeom prst="rect">
             <a:avLst/>
@@ -17412,8 +17412,8 @@
         </p:nvSpPr>
         <p:spPr>
           <a:xfrm>
-            <a:off x="4340066" y="1684547"/>
-            <a:ext cx="3534319" cy="4648876"/>
+            <a:off x="4340066" y="1684546"/>
+            <a:ext cx="3534319" cy="4967923"/>
           </a:xfrm>
           <a:prstGeom prst="rect">
             <a:avLst/>
@@ -17466,7 +17466,7 @@
         <p:spPr>
           <a:xfrm>
             <a:off x="565598" y="1684547"/>
-            <a:ext cx="3534319" cy="4648875"/>
+            <a:ext cx="3534319" cy="4967923"/>
           </a:xfrm>
           <a:prstGeom prst="rect">
             <a:avLst/>
@@ -17587,8 +17587,8 @@
         </p:nvSpPr>
         <p:spPr>
           <a:xfrm>
-            <a:off x="8085424" y="1684546"/>
-            <a:ext cx="3534319" cy="4648876"/>
+            <a:off x="8085424" y="1684545"/>
+            <a:ext cx="3534319" cy="4967923"/>
           </a:xfrm>
           <a:prstGeom prst="rect">
             <a:avLst/>
@@ -17615,7 +17615,7 @@
           <a:lstStyle/>
           <a:p>
             <a:r>
-              <a:rPr lang="zh-CN" altLang="en-US" sz="1600">
+              <a:rPr lang="zh-CN" altLang="en-US" sz="1600" dirty="0">
                 <a:solidFill>
                   <a:schemeClr val="tx1">
                     <a:lumMod val="50000"/>
@@ -17626,7 +17626,7 @@
               <a:t>* </a:t>
             </a:r>
             <a:r>
-              <a:rPr lang="en-US" altLang="zh-CN" sz="1600">
+              <a:rPr lang="en-US" altLang="zh-CN" sz="1600" dirty="0">
                 <a:solidFill>
                   <a:schemeClr val="tx1">
                     <a:lumMod val="50000"/>
@@ -17709,7 +17709,7 @@
           <a:graphicData uri="http://schemas.openxmlformats.org/presentationml/2006/ole">
             <mc:AlternateContent xmlns:mc="http://schemas.openxmlformats.org/markup-compatibility/2006">
               <mc:Choice xmlns:v="urn:schemas-microsoft-com:vml" Requires="v">
-                <p:oleObj spid="_x0000_s42036" name="think-cell Slide" r:id="rId6" imgW="416" imgH="416" progId="TCLayout.ActiveDocument.1">
+                <p:oleObj spid="_x0000_s42046" name="think-cell Slide" r:id="rId6" imgW="416" imgH="416" progId="TCLayout.ActiveDocument.1">
                   <p:embed/>
                 </p:oleObj>
               </mc:Choice>
@@ -31487,8 +31487,8 @@
         </p:nvGrpSpPr>
         <p:grpSpPr>
           <a:xfrm>
-            <a:off x="539015" y="1730368"/>
-            <a:ext cx="11080728" cy="4593430"/>
+            <a:off x="539015" y="1730367"/>
+            <a:ext cx="11080728" cy="4964047"/>
             <a:chOff x="181914" y="1426463"/>
             <a:chExt cx="9940530" cy="3182113"/>
           </a:xfrm>
@@ -32567,7 +32567,7 @@
           <a:graphicData uri="http://schemas.openxmlformats.org/presentationml/2006/ole">
             <mc:AlternateContent xmlns:mc="http://schemas.openxmlformats.org/markup-compatibility/2006">
               <mc:Choice xmlns:v="urn:schemas-microsoft-com:vml" Requires="v">
-                <p:oleObj spid="_x0000_s44077" name="think-cell Slide" r:id="rId5" imgW="416" imgH="416" progId="TCLayout.ActiveDocument.1">
+                <p:oleObj spid="_x0000_s44087" name="think-cell Slide" r:id="rId5" imgW="416" imgH="416" progId="TCLayout.ActiveDocument.1">
                   <p:embed/>
                 </p:oleObj>
               </mc:Choice>
